--- a/docs/thesis/midterm_presentation/others/5464_takaki_midterm.pptx
+++ b/docs/thesis/midterm_presentation/others/5464_takaki_midterm.pptx
@@ -204,7 +204,7 @@
           <a:p>
             <a:fld id="{515B19D2-044D-3045-8A5A-C7FFAF434001}" type="datetimeFigureOut">
               <a:rPr kumimoji="1" lang="ja-JP" altLang="en-US" smtClean="0"/>
-              <a:t>2018/9/18</a:t>
+              <a:t>2018/12/5</a:t>
             </a:fld>
             <a:endParaRPr kumimoji="1" lang="ja-JP" altLang="en-US"/>
           </a:p>
@@ -3828,7 +3828,7 @@
           <a:p>
             <a:fld id="{672C894F-19FF-DF4C-B943-66FA0F294316}" type="datetimeFigureOut">
               <a:rPr kumimoji="1" lang="ja-JP" altLang="en-US" smtClean="0"/>
-              <a:t>2018/9/18</a:t>
+              <a:t>2018/12/5</a:t>
             </a:fld>
             <a:endParaRPr kumimoji="1" lang="ja-JP" altLang="en-US"/>
           </a:p>
@@ -4030,7 +4030,7 @@
           <a:p>
             <a:fld id="{672C894F-19FF-DF4C-B943-66FA0F294316}" type="datetimeFigureOut">
               <a:rPr kumimoji="1" lang="ja-JP" altLang="en-US" smtClean="0"/>
-              <a:t>2018/9/18</a:t>
+              <a:t>2018/12/5</a:t>
             </a:fld>
             <a:endParaRPr kumimoji="1" lang="ja-JP" altLang="en-US"/>
           </a:p>
@@ -4242,7 +4242,7 @@
           <a:p>
             <a:fld id="{672C894F-19FF-DF4C-B943-66FA0F294316}" type="datetimeFigureOut">
               <a:rPr kumimoji="1" lang="ja-JP" altLang="en-US" smtClean="0"/>
-              <a:t>2018/9/18</a:t>
+              <a:t>2018/12/5</a:t>
             </a:fld>
             <a:endParaRPr kumimoji="1" lang="ja-JP" altLang="en-US"/>
           </a:p>
@@ -4444,7 +4444,7 @@
           <a:p>
             <a:fld id="{672C894F-19FF-DF4C-B943-66FA0F294316}" type="datetimeFigureOut">
               <a:rPr kumimoji="1" lang="ja-JP" altLang="en-US" smtClean="0"/>
-              <a:t>2018/9/18</a:t>
+              <a:t>2018/12/5</a:t>
             </a:fld>
             <a:endParaRPr kumimoji="1" lang="ja-JP" altLang="en-US"/>
           </a:p>
@@ -4690,7 +4690,7 @@
           <a:p>
             <a:fld id="{672C894F-19FF-DF4C-B943-66FA0F294316}" type="datetimeFigureOut">
               <a:rPr kumimoji="1" lang="ja-JP" altLang="en-US" smtClean="0"/>
-              <a:t>2018/9/18</a:t>
+              <a:t>2018/12/5</a:t>
             </a:fld>
             <a:endParaRPr kumimoji="1" lang="ja-JP" altLang="en-US"/>
           </a:p>
@@ -4986,7 +4986,7 @@
           <a:p>
             <a:fld id="{672C894F-19FF-DF4C-B943-66FA0F294316}" type="datetimeFigureOut">
               <a:rPr kumimoji="1" lang="ja-JP" altLang="en-US" smtClean="0"/>
-              <a:t>2018/9/18</a:t>
+              <a:t>2018/12/5</a:t>
             </a:fld>
             <a:endParaRPr kumimoji="1" lang="ja-JP" altLang="en-US"/>
           </a:p>
@@ -5417,7 +5417,7 @@
           <a:p>
             <a:fld id="{672C894F-19FF-DF4C-B943-66FA0F294316}" type="datetimeFigureOut">
               <a:rPr kumimoji="1" lang="ja-JP" altLang="en-US" smtClean="0"/>
-              <a:t>2018/9/18</a:t>
+              <a:t>2018/12/5</a:t>
             </a:fld>
             <a:endParaRPr kumimoji="1" lang="ja-JP" altLang="en-US"/>
           </a:p>
@@ -5535,7 +5535,7 @@
           <a:p>
             <a:fld id="{672C894F-19FF-DF4C-B943-66FA0F294316}" type="datetimeFigureOut">
               <a:rPr kumimoji="1" lang="ja-JP" altLang="en-US" smtClean="0"/>
-              <a:t>2018/9/18</a:t>
+              <a:t>2018/12/5</a:t>
             </a:fld>
             <a:endParaRPr kumimoji="1" lang="ja-JP" altLang="en-US"/>
           </a:p>
@@ -5630,7 +5630,7 @@
           <a:p>
             <a:fld id="{672C894F-19FF-DF4C-B943-66FA0F294316}" type="datetimeFigureOut">
               <a:rPr kumimoji="1" lang="ja-JP" altLang="en-US" smtClean="0"/>
-              <a:t>2018/9/18</a:t>
+              <a:t>2018/12/5</a:t>
             </a:fld>
             <a:endParaRPr kumimoji="1" lang="ja-JP" altLang="en-US"/>
           </a:p>
@@ -5939,7 +5939,7 @@
           <a:p>
             <a:fld id="{672C894F-19FF-DF4C-B943-66FA0F294316}" type="datetimeFigureOut">
               <a:rPr kumimoji="1" lang="ja-JP" altLang="en-US" smtClean="0"/>
-              <a:t>2018/9/18</a:t>
+              <a:t>2018/12/5</a:t>
             </a:fld>
             <a:endParaRPr kumimoji="1" lang="ja-JP" altLang="en-US"/>
           </a:p>
@@ -6192,7 +6192,7 @@
           <a:p>
             <a:fld id="{672C894F-19FF-DF4C-B943-66FA0F294316}" type="datetimeFigureOut">
               <a:rPr kumimoji="1" lang="ja-JP" altLang="en-US" smtClean="0"/>
-              <a:t>2018/9/18</a:t>
+              <a:t>2018/12/5</a:t>
             </a:fld>
             <a:endParaRPr kumimoji="1" lang="ja-JP" altLang="en-US"/>
           </a:p>
@@ -6437,7 +6437,7 @@
           <a:p>
             <a:fld id="{672C894F-19FF-DF4C-B943-66FA0F294316}" type="datetimeFigureOut">
               <a:rPr kumimoji="1" lang="ja-JP" altLang="en-US" smtClean="0"/>
-              <a:t>2018/9/18</a:t>
+              <a:t>2018/12/5</a:t>
             </a:fld>
             <a:endParaRPr kumimoji="1" lang="ja-JP" altLang="en-US"/>
           </a:p>
@@ -7123,11 +7123,7 @@
             </a:r>
             <a:r>
               <a:rPr kumimoji="1" lang="ja-JP" altLang="en-US" sz="3200" dirty="0" smtClean="0"/>
-              <a:t>に</a:t>
-            </a:r>
-            <a:r>
-              <a:rPr kumimoji="1" lang="ja-JP" altLang="en-US" sz="3200" dirty="0" smtClean="0"/>
-              <a:t>適切なコードを学ぶ環境が必要</a:t>
+              <a:t>に適切なコードを学ぶ環境が必要</a:t>
             </a:r>
             <a:endParaRPr kumimoji="1" lang="en-US" altLang="ja-JP" sz="3200" dirty="0" smtClean="0"/>
           </a:p>
@@ -8374,8 +8370,8 @@
           <a:lstStyle/>
           <a:p>
             <a:r>
-              <a:rPr kumimoji="1" lang="ja-JP" altLang="en-US" sz="3200" dirty="0" smtClean="0"/>
-              <a:t>その他</a:t>
+              <a:rPr lang="ja-JP" altLang="en-US" sz="3200" dirty="0" smtClean="0"/>
+              <a:t>評価開始</a:t>
             </a:r>
             <a:endParaRPr kumimoji="1" lang="ja-JP" altLang="en-US" sz="3200" dirty="0"/>
           </a:p>
@@ -9077,11 +9073,11 @@
   <p:clrMapOvr>
     <a:masterClrMapping/>
   </p:clrMapOvr>
-  <mc:AlternateContent xmlns:mc="http://schemas.openxmlformats.org/markup-compatibility/2006">
-    <mc:Choice xmlns:p14="http://schemas.microsoft.com/office/powerpoint/2010/main" Requires="p14">
+  <mc:AlternateContent xmlns:mc="http://schemas.openxmlformats.org/markup-compatibility/2006" xmlns:p14="http://schemas.microsoft.com/office/powerpoint/2010/main">
+    <mc:Choice Requires="p14">
       <p:transition spd="slow" p14:dur="2000"/>
     </mc:Choice>
-    <mc:Fallback>
+    <mc:Fallback xmlns="">
       <p:transition spd="slow"/>
     </mc:Fallback>
   </mc:AlternateContent>
@@ -12274,11 +12270,7 @@
             </a:r>
             <a:r>
               <a:rPr kumimoji="1" lang="ja-JP" altLang="en-US" dirty="0" smtClean="0"/>
-              <a:t>体系的なドリルの</a:t>
-            </a:r>
-            <a:r>
-              <a:rPr kumimoji="1" lang="ja-JP" altLang="en-US" dirty="0" smtClean="0"/>
-              <a:t>学習</a:t>
+              <a:t>体系的なドリルの学習</a:t>
             </a:r>
             <a:endParaRPr lang="en-US" altLang="ja-JP" dirty="0"/>
           </a:p>
@@ -12443,11 +12435,7 @@
             </a:pPr>
             <a:r>
               <a:rPr kumimoji="1" lang="ja-JP" altLang="en-US" dirty="0" smtClean="0"/>
-              <a:t>作業</a:t>
-            </a:r>
-            <a:r>
-              <a:rPr kumimoji="1" lang="ja-JP" altLang="en-US" dirty="0" smtClean="0"/>
-              <a:t>中止</a:t>
+              <a:t>作業中止</a:t>
             </a:r>
             <a:endParaRPr lang="en-US" altLang="ja-JP" dirty="0" smtClean="0"/>
           </a:p>
@@ -12492,11 +12480,11 @@
   <p:clrMapOvr>
     <a:masterClrMapping/>
   </p:clrMapOvr>
-  <mc:AlternateContent xmlns:mc="http://schemas.openxmlformats.org/markup-compatibility/2006">
-    <mc:Choice xmlns:p14="http://schemas.microsoft.com/office/powerpoint/2010/main" Requires="p14">
+  <mc:AlternateContent xmlns:mc="http://schemas.openxmlformats.org/markup-compatibility/2006" xmlns:p14="http://schemas.microsoft.com/office/powerpoint/2010/main">
+    <mc:Choice Requires="p14">
       <p:transition spd="slow" p14:dur="2000"/>
     </mc:Choice>
-    <mc:Fallback>
+    <mc:Fallback xmlns="">
       <p:transition spd="slow"/>
     </mc:Fallback>
   </mc:AlternateContent>

--- a/docs/thesis/midterm_presentation/others/5464_takaki_midterm.pptx
+++ b/docs/thesis/midterm_presentation/others/5464_takaki_midterm.pptx
@@ -5,17 +5,18 @@
     <p:sldMasterId id="2147483648" r:id="rId1"/>
   </p:sldMasterIdLst>
   <p:notesMasterIdLst>
-    <p:notesMasterId r:id="rId10"/>
+    <p:notesMasterId r:id="rId11"/>
   </p:notesMasterIdLst>
   <p:sldIdLst>
     <p:sldId id="256" r:id="rId2"/>
     <p:sldId id="257" r:id="rId3"/>
     <p:sldId id="262" r:id="rId4"/>
-    <p:sldId id="261" r:id="rId5"/>
-    <p:sldId id="260" r:id="rId6"/>
-    <p:sldId id="263" r:id="rId7"/>
-    <p:sldId id="259" r:id="rId8"/>
-    <p:sldId id="258" r:id="rId9"/>
+    <p:sldId id="264" r:id="rId5"/>
+    <p:sldId id="261" r:id="rId6"/>
+    <p:sldId id="260" r:id="rId7"/>
+    <p:sldId id="263" r:id="rId8"/>
+    <p:sldId id="259" r:id="rId9"/>
+    <p:sldId id="258" r:id="rId10"/>
   </p:sldIdLst>
   <p:sldSz cx="12192000" cy="6858000"/>
   <p:notesSz cx="6858000" cy="9144000"/>
@@ -204,7 +205,7 @@
           <a:p>
             <a:fld id="{515B19D2-044D-3045-8A5A-C7FFAF434001}" type="datetimeFigureOut">
               <a:rPr kumimoji="1" lang="ja-JP" altLang="en-US" smtClean="0"/>
-              <a:t>2018/12/5</a:t>
+              <a:t>2019/1/30</a:t>
             </a:fld>
             <a:endParaRPr kumimoji="1" lang="ja-JP" altLang="en-US"/>
           </a:p>
@@ -810,7 +811,7 @@
           <a:p>
             <a:fld id="{94400EDE-4A65-E54E-9E9B-29D200A24158}" type="slidenum">
               <a:rPr kumimoji="1" lang="ja-JP" altLang="en-US" smtClean="0"/>
-              <a:t>4</a:t>
+              <a:t>5</a:t>
             </a:fld>
             <a:endParaRPr kumimoji="1" lang="ja-JP" altLang="en-US"/>
           </a:p>
@@ -2100,7 +2101,7 @@
           <a:p>
             <a:fld id="{94400EDE-4A65-E54E-9E9B-29D200A24158}" type="slidenum">
               <a:rPr kumimoji="1" lang="ja-JP" altLang="en-US" smtClean="0"/>
-              <a:t>6</a:t>
+              <a:t>7</a:t>
             </a:fld>
             <a:endParaRPr kumimoji="1" lang="ja-JP" altLang="en-US"/>
           </a:p>
@@ -3390,7 +3391,7 @@
           <a:p>
             <a:fld id="{94400EDE-4A65-E54E-9E9B-29D200A24158}" type="slidenum">
               <a:rPr kumimoji="1" lang="ja-JP" altLang="en-US" smtClean="0"/>
-              <a:t>7</a:t>
+              <a:t>8</a:t>
             </a:fld>
             <a:endParaRPr kumimoji="1" lang="ja-JP" altLang="en-US"/>
           </a:p>
@@ -3678,7 +3679,7 @@
           <a:p>
             <a:fld id="{94400EDE-4A65-E54E-9E9B-29D200A24158}" type="slidenum">
               <a:rPr kumimoji="1" lang="ja-JP" altLang="en-US" smtClean="0"/>
-              <a:t>8</a:t>
+              <a:t>9</a:t>
             </a:fld>
             <a:endParaRPr kumimoji="1" lang="ja-JP" altLang="en-US"/>
           </a:p>
@@ -3828,7 +3829,7 @@
           <a:p>
             <a:fld id="{672C894F-19FF-DF4C-B943-66FA0F294316}" type="datetimeFigureOut">
               <a:rPr kumimoji="1" lang="ja-JP" altLang="en-US" smtClean="0"/>
-              <a:t>2018/12/5</a:t>
+              <a:t>2019/1/30</a:t>
             </a:fld>
             <a:endParaRPr kumimoji="1" lang="ja-JP" altLang="en-US"/>
           </a:p>
@@ -4030,7 +4031,7 @@
           <a:p>
             <a:fld id="{672C894F-19FF-DF4C-B943-66FA0F294316}" type="datetimeFigureOut">
               <a:rPr kumimoji="1" lang="ja-JP" altLang="en-US" smtClean="0"/>
-              <a:t>2018/12/5</a:t>
+              <a:t>2019/1/30</a:t>
             </a:fld>
             <a:endParaRPr kumimoji="1" lang="ja-JP" altLang="en-US"/>
           </a:p>
@@ -4242,7 +4243,7 @@
           <a:p>
             <a:fld id="{672C894F-19FF-DF4C-B943-66FA0F294316}" type="datetimeFigureOut">
               <a:rPr kumimoji="1" lang="ja-JP" altLang="en-US" smtClean="0"/>
-              <a:t>2018/12/5</a:t>
+              <a:t>2019/1/30</a:t>
             </a:fld>
             <a:endParaRPr kumimoji="1" lang="ja-JP" altLang="en-US"/>
           </a:p>
@@ -4444,7 +4445,7 @@
           <a:p>
             <a:fld id="{672C894F-19FF-DF4C-B943-66FA0F294316}" type="datetimeFigureOut">
               <a:rPr kumimoji="1" lang="ja-JP" altLang="en-US" smtClean="0"/>
-              <a:t>2018/12/5</a:t>
+              <a:t>2019/1/30</a:t>
             </a:fld>
             <a:endParaRPr kumimoji="1" lang="ja-JP" altLang="en-US"/>
           </a:p>
@@ -4690,7 +4691,7 @@
           <a:p>
             <a:fld id="{672C894F-19FF-DF4C-B943-66FA0F294316}" type="datetimeFigureOut">
               <a:rPr kumimoji="1" lang="ja-JP" altLang="en-US" smtClean="0"/>
-              <a:t>2018/12/5</a:t>
+              <a:t>2019/1/30</a:t>
             </a:fld>
             <a:endParaRPr kumimoji="1" lang="ja-JP" altLang="en-US"/>
           </a:p>
@@ -4986,7 +4987,7 @@
           <a:p>
             <a:fld id="{672C894F-19FF-DF4C-B943-66FA0F294316}" type="datetimeFigureOut">
               <a:rPr kumimoji="1" lang="ja-JP" altLang="en-US" smtClean="0"/>
-              <a:t>2018/12/5</a:t>
+              <a:t>2019/1/30</a:t>
             </a:fld>
             <a:endParaRPr kumimoji="1" lang="ja-JP" altLang="en-US"/>
           </a:p>
@@ -5417,7 +5418,7 @@
           <a:p>
             <a:fld id="{672C894F-19FF-DF4C-B943-66FA0F294316}" type="datetimeFigureOut">
               <a:rPr kumimoji="1" lang="ja-JP" altLang="en-US" smtClean="0"/>
-              <a:t>2018/12/5</a:t>
+              <a:t>2019/1/30</a:t>
             </a:fld>
             <a:endParaRPr kumimoji="1" lang="ja-JP" altLang="en-US"/>
           </a:p>
@@ -5535,7 +5536,7 @@
           <a:p>
             <a:fld id="{672C894F-19FF-DF4C-B943-66FA0F294316}" type="datetimeFigureOut">
               <a:rPr kumimoji="1" lang="ja-JP" altLang="en-US" smtClean="0"/>
-              <a:t>2018/12/5</a:t>
+              <a:t>2019/1/30</a:t>
             </a:fld>
             <a:endParaRPr kumimoji="1" lang="ja-JP" altLang="en-US"/>
           </a:p>
@@ -5630,7 +5631,7 @@
           <a:p>
             <a:fld id="{672C894F-19FF-DF4C-B943-66FA0F294316}" type="datetimeFigureOut">
               <a:rPr kumimoji="1" lang="ja-JP" altLang="en-US" smtClean="0"/>
-              <a:t>2018/12/5</a:t>
+              <a:t>2019/1/30</a:t>
             </a:fld>
             <a:endParaRPr kumimoji="1" lang="ja-JP" altLang="en-US"/>
           </a:p>
@@ -5939,7 +5940,7 @@
           <a:p>
             <a:fld id="{672C894F-19FF-DF4C-B943-66FA0F294316}" type="datetimeFigureOut">
               <a:rPr kumimoji="1" lang="ja-JP" altLang="en-US" smtClean="0"/>
-              <a:t>2018/12/5</a:t>
+              <a:t>2019/1/30</a:t>
             </a:fld>
             <a:endParaRPr kumimoji="1" lang="ja-JP" altLang="en-US"/>
           </a:p>
@@ -6192,7 +6193,7 @@
           <a:p>
             <a:fld id="{672C894F-19FF-DF4C-B943-66FA0F294316}" type="datetimeFigureOut">
               <a:rPr kumimoji="1" lang="ja-JP" altLang="en-US" smtClean="0"/>
-              <a:t>2018/12/5</a:t>
+              <a:t>2019/1/30</a:t>
             </a:fld>
             <a:endParaRPr kumimoji="1" lang="ja-JP" altLang="en-US"/>
           </a:p>
@@ -6437,7 +6438,7 @@
           <a:p>
             <a:fld id="{672C894F-19FF-DF4C-B943-66FA0F294316}" type="datetimeFigureOut">
               <a:rPr kumimoji="1" lang="ja-JP" altLang="en-US" smtClean="0"/>
-              <a:t>2018/12/5</a:t>
+              <a:t>2019/1/30</a:t>
             </a:fld>
             <a:endParaRPr kumimoji="1" lang="ja-JP" altLang="en-US"/>
           </a:p>
@@ -8447,6 +8448,925 @@
 </file>
 
 <file path=ppt/slides/slide4.xml><?xml version="1.0" encoding="utf-8"?>
+<p:sld xmlns:a="http://schemas.openxmlformats.org/drawingml/2006/main" xmlns:r="http://schemas.openxmlformats.org/officeDocument/2006/relationships" xmlns:p="http://schemas.openxmlformats.org/presentationml/2006/main">
+  <p:cSld>
+    <p:spTree>
+      <p:nvGrpSpPr>
+        <p:cNvPr id="1" name=""/>
+        <p:cNvGrpSpPr/>
+        <p:nvPr/>
+      </p:nvGrpSpPr>
+      <p:grpSpPr>
+        <a:xfrm>
+          <a:off x="0" y="0"/>
+          <a:ext cx="0" cy="0"/>
+          <a:chOff x="0" y="0"/>
+          <a:chExt cx="0" cy="0"/>
+        </a:xfrm>
+      </p:grpSpPr>
+      <p:cxnSp>
+        <p:nvCxnSpPr>
+          <p:cNvPr id="118" name="曲線コネクタ 117"/>
+          <p:cNvCxnSpPr>
+            <a:stCxn id="19" idx="2"/>
+            <a:endCxn id="4" idx="6"/>
+          </p:cNvCxnSpPr>
+          <p:nvPr/>
+        </p:nvCxnSpPr>
+        <p:spPr>
+          <a:xfrm rot="10800000">
+            <a:off x="2171780" y="2382742"/>
+            <a:ext cx="5768545" cy="1885505"/>
+          </a:xfrm>
+          <a:prstGeom prst="curvedConnector3">
+            <a:avLst>
+              <a:gd name="adj1" fmla="val 50000"/>
+            </a:avLst>
+          </a:prstGeom>
+          <a:ln w="76200">
+            <a:solidFill>
+              <a:srgbClr val="FF0000"/>
+            </a:solidFill>
+            <a:prstDash val="solid"/>
+            <a:tailEnd type="triangle"/>
+          </a:ln>
+        </p:spPr>
+        <p:style>
+          <a:lnRef idx="1">
+            <a:schemeClr val="accent1"/>
+          </a:lnRef>
+          <a:fillRef idx="0">
+            <a:schemeClr val="accent1"/>
+          </a:fillRef>
+          <a:effectRef idx="0">
+            <a:schemeClr val="accent1"/>
+          </a:effectRef>
+          <a:fontRef idx="minor">
+            <a:schemeClr val="tx1"/>
+          </a:fontRef>
+        </p:style>
+      </p:cxnSp>
+      <p:sp>
+        <p:nvSpPr>
+          <p:cNvPr id="4" name="円/楕円 3"/>
+          <p:cNvSpPr/>
+          <p:nvPr/>
+        </p:nvSpPr>
+        <p:spPr>
+          <a:xfrm>
+            <a:off x="6118" y="1647353"/>
+            <a:ext cx="2165661" cy="1470775"/>
+          </a:xfrm>
+          <a:prstGeom prst="ellipse">
+            <a:avLst/>
+          </a:prstGeom>
+          <a:solidFill>
+            <a:schemeClr val="accent4">
+              <a:lumMod val="20000"/>
+              <a:lumOff val="80000"/>
+            </a:schemeClr>
+          </a:solidFill>
+        </p:spPr>
+        <p:style>
+          <a:lnRef idx="2">
+            <a:schemeClr val="accent1">
+              <a:shade val="50000"/>
+            </a:schemeClr>
+          </a:lnRef>
+          <a:fillRef idx="1">
+            <a:schemeClr val="accent1"/>
+          </a:fillRef>
+          <a:effectRef idx="0">
+            <a:schemeClr val="accent1"/>
+          </a:effectRef>
+          <a:fontRef idx="minor">
+            <a:schemeClr val="lt1"/>
+          </a:fontRef>
+        </p:style>
+        <p:txBody>
+          <a:bodyPr rtlCol="0" anchor="ctr"/>
+          <a:lstStyle/>
+          <a:p>
+            <a:pPr algn="ctr"/>
+            <a:r>
+              <a:rPr lang="ja-JP" altLang="en-US" sz="3600" smtClean="0">
+                <a:solidFill>
+                  <a:schemeClr val="tx1"/>
+                </a:solidFill>
+              </a:rPr>
+              <a:t>回答</a:t>
+            </a:r>
+            <a:endParaRPr kumimoji="1" lang="ja-JP" altLang="en-US" sz="3600" dirty="0">
+              <a:solidFill>
+                <a:schemeClr val="tx1"/>
+              </a:solidFill>
+            </a:endParaRPr>
+          </a:p>
+        </p:txBody>
+      </p:sp>
+      <p:sp>
+        <p:nvSpPr>
+          <p:cNvPr id="5" name="円/楕円 4"/>
+          <p:cNvSpPr/>
+          <p:nvPr/>
+        </p:nvSpPr>
+        <p:spPr>
+          <a:xfrm>
+            <a:off x="1251456" y="3118128"/>
+            <a:ext cx="3344434" cy="2300236"/>
+          </a:xfrm>
+          <a:prstGeom prst="ellipse">
+            <a:avLst/>
+          </a:prstGeom>
+          <a:solidFill>
+            <a:schemeClr val="accent4">
+              <a:lumMod val="20000"/>
+              <a:lumOff val="80000"/>
+            </a:schemeClr>
+          </a:solidFill>
+        </p:spPr>
+        <p:style>
+          <a:lnRef idx="2">
+            <a:schemeClr val="accent1">
+              <a:shade val="50000"/>
+            </a:schemeClr>
+          </a:lnRef>
+          <a:fillRef idx="1">
+            <a:schemeClr val="accent1"/>
+          </a:fillRef>
+          <a:effectRef idx="0">
+            <a:schemeClr val="accent1"/>
+          </a:effectRef>
+          <a:fontRef idx="minor">
+            <a:schemeClr val="lt1"/>
+          </a:fontRef>
+        </p:style>
+        <p:txBody>
+          <a:bodyPr rtlCol="0" anchor="ctr"/>
+          <a:lstStyle/>
+          <a:p>
+            <a:pPr algn="ctr"/>
+            <a:r>
+              <a:rPr kumimoji="1" lang="ja-JP" altLang="en-US" sz="2800" dirty="0" smtClean="0">
+                <a:solidFill>
+                  <a:schemeClr val="tx1"/>
+                </a:solidFill>
+              </a:rPr>
+              <a:t>期待される</a:t>
+            </a:r>
+            <a:endParaRPr kumimoji="1" lang="en-US" altLang="ja-JP" sz="2800" dirty="0" smtClean="0">
+              <a:solidFill>
+                <a:schemeClr val="tx1"/>
+              </a:solidFill>
+            </a:endParaRPr>
+          </a:p>
+          <a:p>
+            <a:pPr algn="ctr"/>
+            <a:r>
+              <a:rPr kumimoji="1" lang="ja-JP" altLang="en-US" sz="2800" dirty="0" smtClean="0">
+                <a:solidFill>
+                  <a:schemeClr val="tx1"/>
+                </a:solidFill>
+              </a:rPr>
+              <a:t>振る舞い</a:t>
+            </a:r>
+            <a:endParaRPr kumimoji="1" lang="en-US" altLang="ja-JP" sz="2800" dirty="0" smtClean="0">
+              <a:solidFill>
+                <a:schemeClr val="tx1"/>
+              </a:solidFill>
+            </a:endParaRPr>
+          </a:p>
+        </p:txBody>
+      </p:sp>
+      <p:sp>
+        <p:nvSpPr>
+          <p:cNvPr id="12" name="円/楕円 11"/>
+          <p:cNvSpPr/>
+          <p:nvPr/>
+        </p:nvSpPr>
+        <p:spPr>
+          <a:xfrm>
+            <a:off x="4595890" y="345165"/>
+            <a:ext cx="3344434" cy="2300236"/>
+          </a:xfrm>
+          <a:prstGeom prst="ellipse">
+            <a:avLst/>
+          </a:prstGeom>
+          <a:solidFill>
+            <a:schemeClr val="accent4">
+              <a:lumMod val="20000"/>
+              <a:lumOff val="80000"/>
+            </a:schemeClr>
+          </a:solidFill>
+          <a:ln cmpd="sng">
+            <a:prstDash val="solid"/>
+          </a:ln>
+        </p:spPr>
+        <p:style>
+          <a:lnRef idx="2">
+            <a:schemeClr val="accent1">
+              <a:shade val="50000"/>
+            </a:schemeClr>
+          </a:lnRef>
+          <a:fillRef idx="1">
+            <a:schemeClr val="accent1"/>
+          </a:fillRef>
+          <a:effectRef idx="0">
+            <a:schemeClr val="accent1"/>
+          </a:effectRef>
+          <a:fontRef idx="minor">
+            <a:schemeClr val="lt1"/>
+          </a:fontRef>
+        </p:style>
+        <p:txBody>
+          <a:bodyPr rtlCol="0" anchor="ctr"/>
+          <a:lstStyle/>
+          <a:p>
+            <a:pPr algn="ctr"/>
+            <a:r>
+              <a:rPr lang="ja-JP" altLang="en-US" sz="2800" dirty="0" smtClean="0">
+                <a:solidFill>
+                  <a:schemeClr val="tx1"/>
+                </a:solidFill>
+              </a:rPr>
+              <a:t>コーディング規約</a:t>
+            </a:r>
+            <a:endParaRPr lang="en-US" altLang="ja-JP" sz="2800" dirty="0">
+              <a:solidFill>
+                <a:schemeClr val="tx1"/>
+              </a:solidFill>
+            </a:endParaRPr>
+          </a:p>
+        </p:txBody>
+      </p:sp>
+      <p:sp>
+        <p:nvSpPr>
+          <p:cNvPr id="19" name="円/楕円 18"/>
+          <p:cNvSpPr/>
+          <p:nvPr/>
+        </p:nvSpPr>
+        <p:spPr>
+          <a:xfrm>
+            <a:off x="7940324" y="3118128"/>
+            <a:ext cx="3344434" cy="2300236"/>
+          </a:xfrm>
+          <a:prstGeom prst="ellipse">
+            <a:avLst/>
+          </a:prstGeom>
+          <a:solidFill>
+            <a:schemeClr val="accent4">
+              <a:lumMod val="20000"/>
+              <a:lumOff val="80000"/>
+            </a:schemeClr>
+          </a:solidFill>
+          <a:ln cmpd="sng">
+            <a:prstDash val="solid"/>
+          </a:ln>
+        </p:spPr>
+        <p:style>
+          <a:lnRef idx="2">
+            <a:schemeClr val="accent1">
+              <a:shade val="50000"/>
+            </a:schemeClr>
+          </a:lnRef>
+          <a:fillRef idx="1">
+            <a:schemeClr val="accent1"/>
+          </a:fillRef>
+          <a:effectRef idx="0">
+            <a:schemeClr val="accent1"/>
+          </a:effectRef>
+          <a:fontRef idx="minor">
+            <a:schemeClr val="lt1"/>
+          </a:fontRef>
+        </p:style>
+        <p:txBody>
+          <a:bodyPr rtlCol="0" anchor="ctr"/>
+          <a:lstStyle/>
+          <a:p>
+            <a:pPr algn="ctr"/>
+            <a:r>
+              <a:rPr lang="ja-JP" altLang="en-US" sz="2800" dirty="0">
+                <a:solidFill>
+                  <a:schemeClr val="tx1"/>
+                </a:solidFill>
+              </a:rPr>
+              <a:t>期待される</a:t>
+            </a:r>
+            <a:endParaRPr lang="en-US" altLang="ja-JP" sz="2800" dirty="0">
+              <a:solidFill>
+                <a:schemeClr val="tx1"/>
+              </a:solidFill>
+            </a:endParaRPr>
+          </a:p>
+          <a:p>
+            <a:pPr algn="ctr"/>
+            <a:r>
+              <a:rPr lang="ja-JP" altLang="en-US" sz="2800" dirty="0">
+                <a:solidFill>
+                  <a:schemeClr val="tx1"/>
+                </a:solidFill>
+              </a:rPr>
+              <a:t>振る舞い</a:t>
+            </a:r>
+            <a:endParaRPr lang="en-US" altLang="ja-JP" sz="2800" dirty="0">
+              <a:solidFill>
+                <a:schemeClr val="tx1"/>
+              </a:solidFill>
+            </a:endParaRPr>
+          </a:p>
+        </p:txBody>
+      </p:sp>
+      <p:sp>
+        <p:nvSpPr>
+          <p:cNvPr id="21" name="円/楕円 20"/>
+          <p:cNvSpPr/>
+          <p:nvPr/>
+        </p:nvSpPr>
+        <p:spPr>
+          <a:xfrm>
+            <a:off x="10026339" y="1660444"/>
+            <a:ext cx="2165661" cy="1470775"/>
+          </a:xfrm>
+          <a:prstGeom prst="ellipse">
+            <a:avLst/>
+          </a:prstGeom>
+          <a:solidFill>
+            <a:schemeClr val="accent4">
+              <a:lumMod val="20000"/>
+              <a:lumOff val="80000"/>
+            </a:schemeClr>
+          </a:solidFill>
+        </p:spPr>
+        <p:style>
+          <a:lnRef idx="2">
+            <a:schemeClr val="accent1">
+              <a:shade val="50000"/>
+            </a:schemeClr>
+          </a:lnRef>
+          <a:fillRef idx="1">
+            <a:schemeClr val="accent1"/>
+          </a:fillRef>
+          <a:effectRef idx="0">
+            <a:schemeClr val="accent1"/>
+          </a:effectRef>
+          <a:fontRef idx="minor">
+            <a:schemeClr val="lt1"/>
+          </a:fontRef>
+        </p:style>
+        <p:txBody>
+          <a:bodyPr rtlCol="0" anchor="ctr"/>
+          <a:lstStyle/>
+          <a:p>
+            <a:pPr algn="ctr"/>
+            <a:r>
+              <a:rPr lang="ja-JP" altLang="en-US" sz="3600" dirty="0" smtClean="0">
+                <a:solidFill>
+                  <a:schemeClr val="tx1"/>
+                </a:solidFill>
+              </a:rPr>
+              <a:t>正解終了</a:t>
+            </a:r>
+            <a:endParaRPr lang="en-US" altLang="ja-JP" sz="3600" dirty="0" smtClean="0">
+              <a:solidFill>
+                <a:schemeClr val="tx1"/>
+              </a:solidFill>
+            </a:endParaRPr>
+          </a:p>
+        </p:txBody>
+      </p:sp>
+      <p:cxnSp>
+        <p:nvCxnSpPr>
+          <p:cNvPr id="27" name="直線矢印コネクタ 26"/>
+          <p:cNvCxnSpPr>
+            <a:stCxn id="4" idx="4"/>
+            <a:endCxn id="5" idx="1"/>
+          </p:cNvCxnSpPr>
+          <p:nvPr/>
+        </p:nvCxnSpPr>
+        <p:spPr>
+          <a:xfrm>
+            <a:off x="1088949" y="3118128"/>
+            <a:ext cx="652288" cy="336862"/>
+          </a:xfrm>
+          <a:prstGeom prst="straightConnector1">
+            <a:avLst/>
+          </a:prstGeom>
+          <a:ln w="76200">
+            <a:solidFill>
+              <a:schemeClr val="accent3">
+                <a:lumMod val="60000"/>
+                <a:lumOff val="40000"/>
+              </a:schemeClr>
+            </a:solidFill>
+            <a:tailEnd type="triangle"/>
+          </a:ln>
+        </p:spPr>
+        <p:style>
+          <a:lnRef idx="1">
+            <a:schemeClr val="accent1"/>
+          </a:lnRef>
+          <a:fillRef idx="0">
+            <a:schemeClr val="accent1"/>
+          </a:fillRef>
+          <a:effectRef idx="0">
+            <a:schemeClr val="accent1"/>
+          </a:effectRef>
+          <a:fontRef idx="minor">
+            <a:schemeClr val="tx1"/>
+          </a:fontRef>
+        </p:style>
+      </p:cxnSp>
+      <p:cxnSp>
+        <p:nvCxnSpPr>
+          <p:cNvPr id="29" name="直線矢印コネクタ 28"/>
+          <p:cNvCxnSpPr>
+            <a:stCxn id="5" idx="7"/>
+            <a:endCxn id="12" idx="3"/>
+          </p:cNvCxnSpPr>
+          <p:nvPr/>
+        </p:nvCxnSpPr>
+        <p:spPr>
+          <a:xfrm flipV="1">
+            <a:off x="4106109" y="2308539"/>
+            <a:ext cx="979562" cy="1146451"/>
+          </a:xfrm>
+          <a:prstGeom prst="straightConnector1">
+            <a:avLst/>
+          </a:prstGeom>
+          <a:ln w="76200">
+            <a:tailEnd type="triangle"/>
+          </a:ln>
+        </p:spPr>
+        <p:style>
+          <a:lnRef idx="1">
+            <a:schemeClr val="accent1"/>
+          </a:lnRef>
+          <a:fillRef idx="0">
+            <a:schemeClr val="accent1"/>
+          </a:fillRef>
+          <a:effectRef idx="0">
+            <a:schemeClr val="accent1"/>
+          </a:effectRef>
+          <a:fontRef idx="minor">
+            <a:schemeClr val="tx1"/>
+          </a:fontRef>
+        </p:style>
+      </p:cxnSp>
+      <p:cxnSp>
+        <p:nvCxnSpPr>
+          <p:cNvPr id="33" name="直線矢印コネクタ 32"/>
+          <p:cNvCxnSpPr>
+            <a:stCxn id="19" idx="7"/>
+            <a:endCxn id="21" idx="4"/>
+          </p:cNvCxnSpPr>
+          <p:nvPr/>
+        </p:nvCxnSpPr>
+        <p:spPr>
+          <a:xfrm flipV="1">
+            <a:off x="10794977" y="3131219"/>
+            <a:ext cx="314193" cy="323771"/>
+          </a:xfrm>
+          <a:prstGeom prst="straightConnector1">
+            <a:avLst/>
+          </a:prstGeom>
+          <a:ln w="76200">
+            <a:tailEnd type="triangle"/>
+          </a:ln>
+        </p:spPr>
+        <p:style>
+          <a:lnRef idx="1">
+            <a:schemeClr val="accent1"/>
+          </a:lnRef>
+          <a:fillRef idx="0">
+            <a:schemeClr val="accent1"/>
+          </a:fillRef>
+          <a:effectRef idx="0">
+            <a:schemeClr val="accent1"/>
+          </a:effectRef>
+          <a:fontRef idx="minor">
+            <a:schemeClr val="tx1"/>
+          </a:fontRef>
+        </p:style>
+      </p:cxnSp>
+      <p:cxnSp>
+        <p:nvCxnSpPr>
+          <p:cNvPr id="36" name="直線矢印コネクタ 35"/>
+          <p:cNvCxnSpPr>
+            <a:stCxn id="12" idx="5"/>
+            <a:endCxn id="19" idx="1"/>
+          </p:cNvCxnSpPr>
+          <p:nvPr/>
+        </p:nvCxnSpPr>
+        <p:spPr>
+          <a:xfrm>
+            <a:off x="7450543" y="2308539"/>
+            <a:ext cx="979562" cy="1146451"/>
+          </a:xfrm>
+          <a:prstGeom prst="straightConnector1">
+            <a:avLst/>
+          </a:prstGeom>
+          <a:ln w="76200">
+            <a:tailEnd type="triangle"/>
+          </a:ln>
+        </p:spPr>
+        <p:style>
+          <a:lnRef idx="1">
+            <a:schemeClr val="accent1"/>
+          </a:lnRef>
+          <a:fillRef idx="0">
+            <a:schemeClr val="accent1"/>
+          </a:fillRef>
+          <a:effectRef idx="0">
+            <a:schemeClr val="accent1"/>
+          </a:effectRef>
+          <a:fontRef idx="minor">
+            <a:schemeClr val="tx1"/>
+          </a:fontRef>
+        </p:style>
+      </p:cxnSp>
+      <p:sp>
+        <p:nvSpPr>
+          <p:cNvPr id="110" name="環状矢印 109"/>
+          <p:cNvSpPr/>
+          <p:nvPr/>
+        </p:nvSpPr>
+        <p:spPr>
+          <a:xfrm rot="5400000">
+            <a:off x="2373451" y="5193256"/>
+            <a:ext cx="1100442" cy="1272209"/>
+          </a:xfrm>
+          <a:prstGeom prst="circularArrow">
+            <a:avLst>
+              <a:gd name="adj1" fmla="val 0"/>
+              <a:gd name="adj2" fmla="val 1227792"/>
+              <a:gd name="adj3" fmla="val 6684843"/>
+              <a:gd name="adj4" fmla="val 13664809"/>
+              <a:gd name="adj5" fmla="val 8021"/>
+            </a:avLst>
+          </a:prstGeom>
+          <a:solidFill>
+            <a:srgbClr val="FF0000"/>
+          </a:solidFill>
+          <a:ln w="76200">
+            <a:solidFill>
+              <a:srgbClr val="FF0000"/>
+            </a:solidFill>
+          </a:ln>
+        </p:spPr>
+        <p:style>
+          <a:lnRef idx="2">
+            <a:schemeClr val="accent1">
+              <a:shade val="50000"/>
+            </a:schemeClr>
+          </a:lnRef>
+          <a:fillRef idx="1">
+            <a:schemeClr val="accent1"/>
+          </a:fillRef>
+          <a:effectRef idx="0">
+            <a:schemeClr val="accent1"/>
+          </a:effectRef>
+          <a:fontRef idx="minor">
+            <a:schemeClr val="lt1"/>
+          </a:fontRef>
+        </p:style>
+        <p:txBody>
+          <a:bodyPr rtlCol="0" anchor="ctr"/>
+          <a:lstStyle/>
+          <a:p>
+            <a:pPr algn="ctr"/>
+            <a:endParaRPr kumimoji="1" lang="ja-JP" altLang="en-US">
+              <a:solidFill>
+                <a:schemeClr val="tx1"/>
+              </a:solidFill>
+            </a:endParaRPr>
+          </a:p>
+        </p:txBody>
+      </p:sp>
+      <p:sp>
+        <p:nvSpPr>
+          <p:cNvPr id="111" name="環状矢印 110"/>
+          <p:cNvSpPr/>
+          <p:nvPr/>
+        </p:nvSpPr>
+        <p:spPr>
+          <a:xfrm rot="5400000">
+            <a:off x="5723765" y="2414091"/>
+            <a:ext cx="1100442" cy="1272209"/>
+          </a:xfrm>
+          <a:prstGeom prst="circularArrow">
+            <a:avLst>
+              <a:gd name="adj1" fmla="val 0"/>
+              <a:gd name="adj2" fmla="val 1227792"/>
+              <a:gd name="adj3" fmla="val 6684843"/>
+              <a:gd name="adj4" fmla="val 13664809"/>
+              <a:gd name="adj5" fmla="val 8021"/>
+            </a:avLst>
+          </a:prstGeom>
+          <a:solidFill>
+            <a:srgbClr val="FF0000"/>
+          </a:solidFill>
+          <a:ln w="76200">
+            <a:solidFill>
+              <a:srgbClr val="FF0000"/>
+            </a:solidFill>
+          </a:ln>
+        </p:spPr>
+        <p:style>
+          <a:lnRef idx="2">
+            <a:schemeClr val="accent1">
+              <a:shade val="50000"/>
+            </a:schemeClr>
+          </a:lnRef>
+          <a:fillRef idx="1">
+            <a:schemeClr val="accent1"/>
+          </a:fillRef>
+          <a:effectRef idx="0">
+            <a:schemeClr val="accent1"/>
+          </a:effectRef>
+          <a:fontRef idx="minor">
+            <a:schemeClr val="lt1"/>
+          </a:fontRef>
+        </p:style>
+        <p:txBody>
+          <a:bodyPr rtlCol="0" anchor="ctr"/>
+          <a:lstStyle/>
+          <a:p>
+            <a:pPr algn="ctr"/>
+            <a:endParaRPr kumimoji="1" lang="ja-JP" altLang="en-US">
+              <a:solidFill>
+                <a:schemeClr val="tx1"/>
+              </a:solidFill>
+            </a:endParaRPr>
+          </a:p>
+        </p:txBody>
+      </p:sp>
+      <p:cxnSp>
+        <p:nvCxnSpPr>
+          <p:cNvPr id="131" name="直線矢印コネクタ 130"/>
+          <p:cNvCxnSpPr/>
+          <p:nvPr/>
+        </p:nvCxnSpPr>
+        <p:spPr>
+          <a:xfrm>
+            <a:off x="8886705" y="6565612"/>
+            <a:ext cx="1351722" cy="0"/>
+          </a:xfrm>
+          <a:prstGeom prst="straightConnector1">
+            <a:avLst/>
+          </a:prstGeom>
+          <a:ln w="76200">
+            <a:solidFill>
+              <a:schemeClr val="bg1">
+                <a:lumMod val="75000"/>
+              </a:schemeClr>
+            </a:solidFill>
+            <a:tailEnd type="triangle"/>
+          </a:ln>
+        </p:spPr>
+        <p:style>
+          <a:lnRef idx="1">
+            <a:schemeClr val="accent1"/>
+          </a:lnRef>
+          <a:fillRef idx="0">
+            <a:schemeClr val="accent1"/>
+          </a:fillRef>
+          <a:effectRef idx="0">
+            <a:schemeClr val="accent1"/>
+          </a:effectRef>
+          <a:fontRef idx="minor">
+            <a:schemeClr val="tx1"/>
+          </a:fontRef>
+        </p:style>
+      </p:cxnSp>
+      <p:cxnSp>
+        <p:nvCxnSpPr>
+          <p:cNvPr id="133" name="直線矢印コネクタ 132"/>
+          <p:cNvCxnSpPr/>
+          <p:nvPr/>
+        </p:nvCxnSpPr>
+        <p:spPr>
+          <a:xfrm>
+            <a:off x="5423001" y="5829360"/>
+            <a:ext cx="1351722" cy="0"/>
+          </a:xfrm>
+          <a:prstGeom prst="straightConnector1">
+            <a:avLst/>
+          </a:prstGeom>
+          <a:ln w="76200">
+            <a:tailEnd type="triangle"/>
+          </a:ln>
+        </p:spPr>
+        <p:style>
+          <a:lnRef idx="1">
+            <a:schemeClr val="accent1"/>
+          </a:lnRef>
+          <a:fillRef idx="0">
+            <a:schemeClr val="accent1"/>
+          </a:fillRef>
+          <a:effectRef idx="0">
+            <a:schemeClr val="accent1"/>
+          </a:effectRef>
+          <a:fontRef idx="minor">
+            <a:schemeClr val="tx1"/>
+          </a:fontRef>
+        </p:style>
+      </p:cxnSp>
+      <p:cxnSp>
+        <p:nvCxnSpPr>
+          <p:cNvPr id="134" name="直線矢印コネクタ 133"/>
+          <p:cNvCxnSpPr/>
+          <p:nvPr/>
+        </p:nvCxnSpPr>
+        <p:spPr>
+          <a:xfrm>
+            <a:off x="5456878" y="6565613"/>
+            <a:ext cx="1351722" cy="0"/>
+          </a:xfrm>
+          <a:prstGeom prst="straightConnector1">
+            <a:avLst/>
+          </a:prstGeom>
+          <a:ln w="76200">
+            <a:solidFill>
+              <a:srgbClr val="FF0000"/>
+            </a:solidFill>
+            <a:tailEnd type="triangle"/>
+          </a:ln>
+        </p:spPr>
+        <p:style>
+          <a:lnRef idx="1">
+            <a:schemeClr val="accent1"/>
+          </a:lnRef>
+          <a:fillRef idx="0">
+            <a:schemeClr val="accent1"/>
+          </a:fillRef>
+          <a:effectRef idx="0">
+            <a:schemeClr val="accent1"/>
+          </a:effectRef>
+          <a:fontRef idx="minor">
+            <a:schemeClr val="tx1"/>
+          </a:fontRef>
+        </p:style>
+      </p:cxnSp>
+      <p:sp>
+        <p:nvSpPr>
+          <p:cNvPr id="135" name="テキスト ボックス 134"/>
+          <p:cNvSpPr txBox="1"/>
+          <p:nvPr/>
+        </p:nvSpPr>
+        <p:spPr>
+          <a:xfrm>
+            <a:off x="6910091" y="5536972"/>
+            <a:ext cx="1976614" cy="584775"/>
+          </a:xfrm>
+          <a:prstGeom prst="rect">
+            <a:avLst/>
+          </a:prstGeom>
+          <a:noFill/>
+        </p:spPr>
+        <p:txBody>
+          <a:bodyPr wrap="square" rtlCol="0">
+            <a:spAutoFit/>
+          </a:bodyPr>
+          <a:lstStyle/>
+          <a:p>
+            <a:r>
+              <a:rPr kumimoji="1" lang="ja-JP" altLang="en-US" sz="3200" dirty="0" smtClean="0"/>
+              <a:t>クリア時</a:t>
+            </a:r>
+            <a:endParaRPr kumimoji="1" lang="ja-JP" altLang="en-US" sz="3200" dirty="0"/>
+          </a:p>
+        </p:txBody>
+      </p:sp>
+      <p:sp>
+        <p:nvSpPr>
+          <p:cNvPr id="136" name="テキスト ボックス 135"/>
+          <p:cNvSpPr txBox="1"/>
+          <p:nvPr/>
+        </p:nvSpPr>
+        <p:spPr>
+          <a:xfrm>
+            <a:off x="6910091" y="6273225"/>
+            <a:ext cx="1976614" cy="584775"/>
+          </a:xfrm>
+          <a:prstGeom prst="rect">
+            <a:avLst/>
+          </a:prstGeom>
+          <a:noFill/>
+        </p:spPr>
+        <p:txBody>
+          <a:bodyPr wrap="square" rtlCol="0">
+            <a:spAutoFit/>
+          </a:bodyPr>
+          <a:lstStyle/>
+          <a:p>
+            <a:r>
+              <a:rPr lang="ja-JP" altLang="en-US" sz="3200" dirty="0" smtClean="0"/>
+              <a:t>エラー時</a:t>
+            </a:r>
+            <a:endParaRPr kumimoji="1" lang="ja-JP" altLang="en-US" sz="3200" dirty="0"/>
+          </a:p>
+        </p:txBody>
+      </p:sp>
+      <p:sp>
+        <p:nvSpPr>
+          <p:cNvPr id="137" name="テキスト ボックス 136"/>
+          <p:cNvSpPr txBox="1"/>
+          <p:nvPr/>
+        </p:nvSpPr>
+        <p:spPr>
+          <a:xfrm>
+            <a:off x="10215386" y="6227953"/>
+            <a:ext cx="1976614" cy="584775"/>
+          </a:xfrm>
+          <a:prstGeom prst="rect">
+            <a:avLst/>
+          </a:prstGeom>
+          <a:noFill/>
+        </p:spPr>
+        <p:txBody>
+          <a:bodyPr wrap="square" rtlCol="0">
+            <a:spAutoFit/>
+          </a:bodyPr>
+          <a:lstStyle/>
+          <a:p>
+            <a:r>
+              <a:rPr lang="ja-JP" altLang="en-US" sz="3200" dirty="0" smtClean="0"/>
+              <a:t>評価開始</a:t>
+            </a:r>
+            <a:endParaRPr kumimoji="1" lang="ja-JP" altLang="en-US" sz="3200" dirty="0"/>
+          </a:p>
+        </p:txBody>
+      </p:sp>
+      <p:sp>
+        <p:nvSpPr>
+          <p:cNvPr id="17" name="角丸四角形 16"/>
+          <p:cNvSpPr/>
+          <p:nvPr/>
+        </p:nvSpPr>
+        <p:spPr>
+          <a:xfrm>
+            <a:off x="126963" y="104427"/>
+            <a:ext cx="3861032" cy="1150118"/>
+          </a:xfrm>
+          <a:prstGeom prst="roundRect">
+            <a:avLst/>
+          </a:prstGeom>
+          <a:ln>
+            <a:solidFill>
+              <a:schemeClr val="accent6">
+                <a:lumMod val="75000"/>
+              </a:schemeClr>
+            </a:solidFill>
+          </a:ln>
+        </p:spPr>
+        <p:style>
+          <a:lnRef idx="2">
+            <a:schemeClr val="accent6"/>
+          </a:lnRef>
+          <a:fillRef idx="1">
+            <a:schemeClr val="lt1"/>
+          </a:fillRef>
+          <a:effectRef idx="0">
+            <a:schemeClr val="accent6"/>
+          </a:effectRef>
+          <a:fontRef idx="minor">
+            <a:schemeClr val="dk1"/>
+          </a:fontRef>
+        </p:style>
+        <p:txBody>
+          <a:bodyPr rtlCol="0" anchor="ctr"/>
+          <a:lstStyle/>
+          <a:p>
+            <a:pPr algn="ctr"/>
+            <a:r>
+              <a:rPr kumimoji="1" lang="ja-JP" altLang="en-US" sz="3200" dirty="0" smtClean="0"/>
+              <a:t>課題の評価方法</a:t>
+            </a:r>
+            <a:endParaRPr kumimoji="1" lang="ja-JP" altLang="en-US" sz="3200" dirty="0"/>
+          </a:p>
+        </p:txBody>
+      </p:sp>
+    </p:spTree>
+    <p:extLst>
+      <p:ext uri="{BB962C8B-B14F-4D97-AF65-F5344CB8AC3E}">
+        <p14:creationId xmlns:p14="http://schemas.microsoft.com/office/powerpoint/2010/main" val="861419030"/>
+      </p:ext>
+    </p:extLst>
+  </p:cSld>
+  <p:clrMapOvr>
+    <a:masterClrMapping/>
+  </p:clrMapOvr>
+  <p:timing>
+    <p:tnLst>
+      <p:par>
+        <p:cTn id="1" dur="indefinite" restart="never" nodeType="tmRoot"/>
+      </p:par>
+    </p:tnLst>
+  </p:timing>
+</p:sld>
+</file>
+
+<file path=ppt/slides/slide5.xml><?xml version="1.0" encoding="utf-8"?>
 <p:sld xmlns:a="http://schemas.openxmlformats.org/drawingml/2006/main" xmlns:r="http://schemas.openxmlformats.org/officeDocument/2006/relationships" xmlns:p="http://schemas.openxmlformats.org/presentationml/2006/main">
   <p:cSld>
     <p:spTree>
@@ -11454,7 +12374,7 @@
 </p:sld>
 </file>
 
-<file path=ppt/slides/slide5.xml><?xml version="1.0" encoding="utf-8"?>
+<file path=ppt/slides/slide6.xml><?xml version="1.0" encoding="utf-8"?>
 <p:sld xmlns:a="http://schemas.openxmlformats.org/drawingml/2006/main" xmlns:r="http://schemas.openxmlformats.org/officeDocument/2006/relationships" xmlns:p="http://schemas.openxmlformats.org/presentationml/2006/main">
   <p:cSld>
     <p:spTree>
@@ -11576,7 +12496,7 @@
 </p:sld>
 </file>
 
-<file path=ppt/slides/slide6.xml><?xml version="1.0" encoding="utf-8"?>
+<file path=ppt/slides/slide7.xml><?xml version="1.0" encoding="utf-8"?>
 <p:sld xmlns:a="http://schemas.openxmlformats.org/drawingml/2006/main" xmlns:r="http://schemas.openxmlformats.org/officeDocument/2006/relationships" xmlns:p="http://schemas.openxmlformats.org/presentationml/2006/main">
   <p:cSld>
     <p:spTree>
@@ -12498,7 +13418,7 @@
 </p:sld>
 </file>
 
-<file path=ppt/slides/slide7.xml><?xml version="1.0" encoding="utf-8"?>
+<file path=ppt/slides/slide8.xml><?xml version="1.0" encoding="utf-8"?>
 <p:sld xmlns:a="http://schemas.openxmlformats.org/drawingml/2006/main" xmlns:r="http://schemas.openxmlformats.org/officeDocument/2006/relationships" xmlns:p="http://schemas.openxmlformats.org/presentationml/2006/main" show="0">
   <p:cSld>
     <p:spTree>
@@ -13696,7 +14616,7 @@
 </p:sld>
 </file>
 
-<file path=ppt/slides/slide8.xml><?xml version="1.0" encoding="utf-8"?>
+<file path=ppt/slides/slide9.xml><?xml version="1.0" encoding="utf-8"?>
 <p:sld xmlns:a="http://schemas.openxmlformats.org/drawingml/2006/main" xmlns:r="http://schemas.openxmlformats.org/officeDocument/2006/relationships" xmlns:p="http://schemas.openxmlformats.org/presentationml/2006/main" show="0">
   <p:cSld>
     <p:spTree>
